--- a/materials/presentation.pptx
+++ b/materials/presentation.pptx
@@ -5,10 +5,10 @@
     <p:sldMasterId id="2147483672" r:id="rId4"/>
   </p:sldMasterIdLst>
   <p:notesMasterIdLst>
-    <p:notesMasterId r:id="rId14"/>
+    <p:notesMasterId r:id="rId15"/>
   </p:notesMasterIdLst>
   <p:handoutMasterIdLst>
-    <p:handoutMasterId r:id="rId15"/>
+    <p:handoutMasterId r:id="rId16"/>
   </p:handoutMasterIdLst>
   <p:sldIdLst>
     <p:sldId id="256" r:id="rId5"/>
@@ -19,7 +19,8 @@
     <p:sldId id="265" r:id="rId10"/>
     <p:sldId id="266" r:id="rId11"/>
     <p:sldId id="267" r:id="rId12"/>
-    <p:sldId id="260" r:id="rId13"/>
+    <p:sldId id="268" r:id="rId13"/>
+    <p:sldId id="260" r:id="rId14"/>
   </p:sldIdLst>
   <p:sldSz cx="12192000" cy="6858000"/>
   <p:notesSz cx="6858000" cy="9144000"/>
@@ -816,7 +817,7 @@
           <a:p>
             <a:fld id="{76D73D1A-6084-4304-99B6-284B940079FF}" type="slidenum">
               <a:rPr lang="ru-RU" smtClean="0"/>
-              <a:t>9</a:t>
+              <a:t>10</a:t>
             </a:fld>
             <a:endParaRPr lang="ru-RU" dirty="0"/>
           </a:p>
@@ -5206,853 +5207,7 @@
 </p:sld>
 </file>
 
-<file path=ppt/slides/slide2.xml><?xml version="1.0" encoding="utf-8"?>
-<p:sld xmlns:a="http://schemas.openxmlformats.org/drawingml/2006/main" xmlns:r="http://schemas.openxmlformats.org/officeDocument/2006/relationships" xmlns:p="http://schemas.openxmlformats.org/presentationml/2006/main">
-  <p:cSld>
-    <p:spTree>
-      <p:nvGrpSpPr>
-        <p:cNvPr id="1" name=""/>
-        <p:cNvGrpSpPr/>
-        <p:nvPr/>
-      </p:nvGrpSpPr>
-      <p:grpSpPr>
-        <a:xfrm>
-          <a:off x="0" y="0"/>
-          <a:ext cx="0" cy="0"/>
-          <a:chOff x="0" y="0"/>
-          <a:chExt cx="0" cy="0"/>
-        </a:xfrm>
-      </p:grpSpPr>
-      <p:sp>
-        <p:nvSpPr>
-          <p:cNvPr id="2" name="Заголовок 1">
-            <a:extLst>
-              <a:ext uri="{FF2B5EF4-FFF2-40B4-BE49-F238E27FC236}">
-                <a16:creationId xmlns:a16="http://schemas.microsoft.com/office/drawing/2014/main" id="{E7757706-8150-E539-B911-2392DF28D4F7}"/>
-              </a:ext>
-            </a:extLst>
-          </p:cNvPr>
-          <p:cNvSpPr>
-            <a:spLocks noGrp="1"/>
-          </p:cNvSpPr>
-          <p:nvPr>
-            <p:ph type="title"/>
-          </p:nvPr>
-        </p:nvSpPr>
-        <p:spPr/>
-        <p:txBody>
-          <a:bodyPr/>
-          <a:lstStyle/>
-          <a:p>
-            <a:r>
-              <a:rPr lang="ru-RU" dirty="0"/>
-              <a:t>Идея сайта – спортивный магазин</a:t>
-            </a:r>
-          </a:p>
-        </p:txBody>
-      </p:sp>
-      <p:sp>
-        <p:nvSpPr>
-          <p:cNvPr id="3" name="Объект 2">
-            <a:extLst>
-              <a:ext uri="{FF2B5EF4-FFF2-40B4-BE49-F238E27FC236}">
-                <a16:creationId xmlns:a16="http://schemas.microsoft.com/office/drawing/2014/main" id="{3B917A77-ABF8-D57A-3931-D69BAE828F7E}"/>
-              </a:ext>
-            </a:extLst>
-          </p:cNvPr>
-          <p:cNvSpPr>
-            <a:spLocks noGrp="1"/>
-          </p:cNvSpPr>
-          <p:nvPr>
-            <p:ph idx="1"/>
-          </p:nvPr>
-        </p:nvSpPr>
-        <p:spPr/>
-        <p:txBody>
-          <a:bodyPr/>
-          <a:lstStyle/>
-          <a:p>
-            <a:r>
-              <a:rPr lang="ru-RU" dirty="0">
-                <a:latin typeface="Bahnschrift" panose="020B0502040204020203" pitchFamily="34" charset="0"/>
-              </a:rPr>
-              <a:t>Я выбрал модель спортивного магазина в качестве идеи своего проекта, потому что разработка интернет-магазина представляет множество возможностей для разработки.</a:t>
-            </a:r>
-          </a:p>
-        </p:txBody>
-      </p:sp>
-    </p:spTree>
-    <p:extLst>
-      <p:ext uri="{BB962C8B-B14F-4D97-AF65-F5344CB8AC3E}">
-        <p14:creationId xmlns:p14="http://schemas.microsoft.com/office/powerpoint/2010/main" val="2361163281"/>
-      </p:ext>
-    </p:extLst>
-  </p:cSld>
-  <p:clrMapOvr>
-    <a:masterClrMapping/>
-  </p:clrMapOvr>
-</p:sld>
-</file>
-
-<file path=ppt/slides/slide3.xml><?xml version="1.0" encoding="utf-8"?>
-<p:sld xmlns:a="http://schemas.openxmlformats.org/drawingml/2006/main" xmlns:r="http://schemas.openxmlformats.org/officeDocument/2006/relationships" xmlns:p="http://schemas.openxmlformats.org/presentationml/2006/main">
-  <p:cSld>
-    <p:spTree>
-      <p:nvGrpSpPr>
-        <p:cNvPr id="1" name=""/>
-        <p:cNvGrpSpPr/>
-        <p:nvPr/>
-      </p:nvGrpSpPr>
-      <p:grpSpPr>
-        <a:xfrm>
-          <a:off x="0" y="0"/>
-          <a:ext cx="0" cy="0"/>
-          <a:chOff x="0" y="0"/>
-          <a:chExt cx="0" cy="0"/>
-        </a:xfrm>
-      </p:grpSpPr>
-      <p:sp>
-        <p:nvSpPr>
-          <p:cNvPr id="2" name="Заголовок 1">
-            <a:extLst>
-              <a:ext uri="{FF2B5EF4-FFF2-40B4-BE49-F238E27FC236}">
-                <a16:creationId xmlns:a16="http://schemas.microsoft.com/office/drawing/2014/main" id="{4E8882D5-4567-44F0-19E5-D472365A7037}"/>
-              </a:ext>
-            </a:extLst>
-          </p:cNvPr>
-          <p:cNvSpPr>
-            <a:spLocks noGrp="1"/>
-          </p:cNvSpPr>
-          <p:nvPr>
-            <p:ph type="title"/>
-          </p:nvPr>
-        </p:nvSpPr>
-        <p:spPr/>
-        <p:txBody>
-          <a:bodyPr/>
-          <a:lstStyle/>
-          <a:p>
-            <a:r>
-              <a:rPr lang="ru-RU" dirty="0"/>
-              <a:t>Технологии</a:t>
-            </a:r>
-          </a:p>
-        </p:txBody>
-      </p:sp>
-      <p:pic>
-        <p:nvPicPr>
-          <p:cNvPr id="5" name="Рисунок 4">
-            <a:extLst>
-              <a:ext uri="{FF2B5EF4-FFF2-40B4-BE49-F238E27FC236}">
-                <a16:creationId xmlns:a16="http://schemas.microsoft.com/office/drawing/2014/main" id="{3D5366C0-FEE3-0B0A-ED3F-EBD4961EA470}"/>
-              </a:ext>
-            </a:extLst>
-          </p:cNvPr>
-          <p:cNvPicPr>
-            <a:picLocks noChangeAspect="1"/>
-          </p:cNvPicPr>
-          <p:nvPr/>
-        </p:nvPicPr>
-        <p:blipFill>
-          <a:blip r:embed="rId2">
-            <a:extLst>
-              <a:ext uri="{96DAC541-7B7A-43D3-8B79-37D633B846F1}">
-                <asvg:svgBlip xmlns:asvg="http://schemas.microsoft.com/office/drawing/2016/SVG/main" r:embed="rId3"/>
-              </a:ext>
-            </a:extLst>
-          </a:blip>
-          <a:stretch>
-            <a:fillRect/>
-          </a:stretch>
-        </p:blipFill>
-        <p:spPr>
-          <a:xfrm>
-            <a:off x="2325175" y="2170670"/>
-            <a:ext cx="2036548" cy="2036548"/>
-          </a:xfrm>
-          <a:prstGeom prst="rect">
-            <a:avLst/>
-          </a:prstGeom>
-        </p:spPr>
-      </p:pic>
-      <p:sp>
-        <p:nvSpPr>
-          <p:cNvPr id="6" name="TextBox 5">
-            <a:extLst>
-              <a:ext uri="{FF2B5EF4-FFF2-40B4-BE49-F238E27FC236}">
-                <a16:creationId xmlns:a16="http://schemas.microsoft.com/office/drawing/2014/main" id="{7D023639-7566-A65A-C3CA-078E7E0AA4CC}"/>
-              </a:ext>
-            </a:extLst>
-          </p:cNvPr>
-          <p:cNvSpPr txBox="1"/>
-          <p:nvPr/>
-        </p:nvSpPr>
-        <p:spPr>
-          <a:xfrm>
-            <a:off x="1920574" y="4661932"/>
-            <a:ext cx="2845749" cy="646331"/>
-          </a:xfrm>
-          <a:prstGeom prst="rect">
-            <a:avLst/>
-          </a:prstGeom>
-          <a:noFill/>
-        </p:spPr>
-        <p:txBody>
-          <a:bodyPr wrap="square" rtlCol="0">
-            <a:spAutoFit/>
-          </a:bodyPr>
-          <a:lstStyle/>
-          <a:p>
-            <a:r>
-              <a:rPr lang="ru-RU" dirty="0">
-                <a:latin typeface="Bahnschrift" panose="020B0502040204020203" pitchFamily="34" charset="0"/>
-              </a:rPr>
-              <a:t>Среда разработки – </a:t>
-            </a:r>
-            <a:r>
-              <a:rPr lang="en-US" dirty="0">
-                <a:latin typeface="Bahnschrift" panose="020B0502040204020203" pitchFamily="34" charset="0"/>
-              </a:rPr>
-              <a:t>JetBrains </a:t>
-            </a:r>
-            <a:r>
-              <a:rPr lang="en-US" dirty="0" err="1">
-                <a:latin typeface="Bahnschrift" panose="020B0502040204020203" pitchFamily="34" charset="0"/>
-              </a:rPr>
-              <a:t>Pycharm</a:t>
-            </a:r>
-            <a:endParaRPr lang="ru-RU" dirty="0">
-              <a:latin typeface="Bahnschrift" panose="020B0502040204020203" pitchFamily="34" charset="0"/>
-            </a:endParaRPr>
-          </a:p>
-        </p:txBody>
-      </p:sp>
-      <p:pic>
-        <p:nvPicPr>
-          <p:cNvPr id="10" name="Рисунок 9">
-            <a:extLst>
-              <a:ext uri="{FF2B5EF4-FFF2-40B4-BE49-F238E27FC236}">
-                <a16:creationId xmlns:a16="http://schemas.microsoft.com/office/drawing/2014/main" id="{0EF756E7-39D8-296F-EFCD-558D94B2AFE8}"/>
-              </a:ext>
-            </a:extLst>
-          </p:cNvPr>
-          <p:cNvPicPr>
-            <a:picLocks noChangeAspect="1"/>
-          </p:cNvPicPr>
-          <p:nvPr/>
-        </p:nvPicPr>
-        <p:blipFill>
-          <a:blip r:embed="rId4">
-            <a:extLst>
-              <a:ext uri="{96DAC541-7B7A-43D3-8B79-37D633B846F1}">
-                <asvg:svgBlip xmlns:asvg="http://schemas.microsoft.com/office/drawing/2016/SVG/main" r:embed="rId5"/>
-              </a:ext>
-            </a:extLst>
-          </a:blip>
-          <a:stretch>
-            <a:fillRect/>
-          </a:stretch>
-        </p:blipFill>
-        <p:spPr>
-          <a:xfrm>
-            <a:off x="7830279" y="2170670"/>
-            <a:ext cx="2220129" cy="2436727"/>
-          </a:xfrm>
-          <a:prstGeom prst="rect">
-            <a:avLst/>
-          </a:prstGeom>
-        </p:spPr>
-      </p:pic>
-      <p:sp>
-        <p:nvSpPr>
-          <p:cNvPr id="11" name="TextBox 10">
-            <a:extLst>
-              <a:ext uri="{FF2B5EF4-FFF2-40B4-BE49-F238E27FC236}">
-                <a16:creationId xmlns:a16="http://schemas.microsoft.com/office/drawing/2014/main" id="{1DBCCA60-F6EE-2DA0-2CB1-8C363E4921ED}"/>
-              </a:ext>
-            </a:extLst>
-          </p:cNvPr>
-          <p:cNvSpPr txBox="1"/>
-          <p:nvPr/>
-        </p:nvSpPr>
-        <p:spPr>
-          <a:xfrm>
-            <a:off x="6969211" y="4661932"/>
-            <a:ext cx="3756454" cy="1200329"/>
-          </a:xfrm>
-          <a:prstGeom prst="rect">
-            <a:avLst/>
-          </a:prstGeom>
-          <a:noFill/>
-        </p:spPr>
-        <p:txBody>
-          <a:bodyPr wrap="square" rtlCol="0">
-            <a:spAutoFit/>
-          </a:bodyPr>
-          <a:lstStyle/>
-          <a:p>
-            <a:r>
-              <a:rPr lang="ru-RU" dirty="0">
-                <a:latin typeface="Bahnschrift" panose="020B0502040204020203" pitchFamily="34" charset="0"/>
-              </a:rPr>
-              <a:t>Язык разработки – </a:t>
-            </a:r>
-            <a:r>
-              <a:rPr lang="en-US" dirty="0">
-                <a:latin typeface="Bahnschrift" panose="020B0502040204020203" pitchFamily="34" charset="0"/>
-              </a:rPr>
-              <a:t>Python (</a:t>
-            </a:r>
-            <a:r>
-              <a:rPr lang="ru-RU" dirty="0">
-                <a:latin typeface="Bahnschrift" panose="020B0502040204020203" pitchFamily="34" charset="0"/>
-              </a:rPr>
-              <a:t>сторонние библиотеки: </a:t>
-            </a:r>
-            <a:r>
-              <a:rPr lang="en-US" dirty="0">
-                <a:latin typeface="Bahnschrift" panose="020B0502040204020203" pitchFamily="34" charset="0"/>
-              </a:rPr>
-              <a:t>flask, </a:t>
-            </a:r>
-            <a:r>
-              <a:rPr lang="en-US" dirty="0" err="1">
-                <a:latin typeface="Bahnschrift" panose="020B0502040204020203" pitchFamily="34" charset="0"/>
-              </a:rPr>
-              <a:t>sqlalchemy</a:t>
-            </a:r>
-            <a:r>
-              <a:rPr lang="en-US" dirty="0">
-                <a:latin typeface="Bahnschrift" panose="020B0502040204020203" pitchFamily="34" charset="0"/>
-              </a:rPr>
-              <a:t>, flask-wtf, flask-restful)</a:t>
-            </a:r>
-            <a:endParaRPr lang="ru-RU" dirty="0">
-              <a:latin typeface="Bahnschrift" panose="020B0502040204020203" pitchFamily="34" charset="0"/>
-            </a:endParaRPr>
-          </a:p>
-        </p:txBody>
-      </p:sp>
-    </p:spTree>
-    <p:extLst>
-      <p:ext uri="{BB962C8B-B14F-4D97-AF65-F5344CB8AC3E}">
-        <p14:creationId xmlns:p14="http://schemas.microsoft.com/office/powerpoint/2010/main" val="2604438506"/>
-      </p:ext>
-    </p:extLst>
-  </p:cSld>
-  <p:clrMapOvr>
-    <a:masterClrMapping/>
-  </p:clrMapOvr>
-</p:sld>
-</file>
-
-<file path=ppt/slides/slide4.xml><?xml version="1.0" encoding="utf-8"?>
-<p:sld xmlns:a="http://schemas.openxmlformats.org/drawingml/2006/main" xmlns:r="http://schemas.openxmlformats.org/officeDocument/2006/relationships" xmlns:p="http://schemas.openxmlformats.org/presentationml/2006/main">
-  <p:cSld>
-    <p:spTree>
-      <p:nvGrpSpPr>
-        <p:cNvPr id="1" name=""/>
-        <p:cNvGrpSpPr/>
-        <p:nvPr/>
-      </p:nvGrpSpPr>
-      <p:grpSpPr>
-        <a:xfrm>
-          <a:off x="0" y="0"/>
-          <a:ext cx="0" cy="0"/>
-          <a:chOff x="0" y="0"/>
-          <a:chExt cx="0" cy="0"/>
-        </a:xfrm>
-      </p:grpSpPr>
-      <p:sp>
-        <p:nvSpPr>
-          <p:cNvPr id="2" name="Заголовок 1">
-            <a:extLst>
-              <a:ext uri="{FF2B5EF4-FFF2-40B4-BE49-F238E27FC236}">
-                <a16:creationId xmlns:a16="http://schemas.microsoft.com/office/drawing/2014/main" id="{872ABDDF-1E5C-6A6D-2B50-DAFFA65342F9}"/>
-              </a:ext>
-            </a:extLst>
-          </p:cNvPr>
-          <p:cNvSpPr>
-            <a:spLocks noGrp="1"/>
-          </p:cNvSpPr>
-          <p:nvPr>
-            <p:ph type="title"/>
-          </p:nvPr>
-        </p:nvSpPr>
-        <p:spPr/>
-        <p:txBody>
-          <a:bodyPr/>
-          <a:lstStyle/>
-          <a:p>
-            <a:r>
-              <a:rPr lang="ru-RU" dirty="0"/>
-              <a:t>Регистрация пользователя</a:t>
-            </a:r>
-          </a:p>
-        </p:txBody>
-      </p:sp>
-      <p:pic>
-        <p:nvPicPr>
-          <p:cNvPr id="7" name="Рисунок 6">
-            <a:extLst>
-              <a:ext uri="{FF2B5EF4-FFF2-40B4-BE49-F238E27FC236}">
-                <a16:creationId xmlns:a16="http://schemas.microsoft.com/office/drawing/2014/main" id="{417C99E7-ADB2-78D0-D61C-285E6F694123}"/>
-              </a:ext>
-            </a:extLst>
-          </p:cNvPr>
-          <p:cNvPicPr>
-            <a:picLocks noChangeAspect="1"/>
-          </p:cNvPicPr>
-          <p:nvPr/>
-        </p:nvPicPr>
-        <p:blipFill>
-          <a:blip r:embed="rId2"/>
-          <a:stretch>
-            <a:fillRect/>
-          </a:stretch>
-        </p:blipFill>
-        <p:spPr>
-          <a:xfrm>
-            <a:off x="581192" y="1943738"/>
-            <a:ext cx="11029615" cy="4469293"/>
-          </a:xfrm>
-          <a:prstGeom prst="rect">
-            <a:avLst/>
-          </a:prstGeom>
-        </p:spPr>
-      </p:pic>
-    </p:spTree>
-    <p:extLst>
-      <p:ext uri="{BB962C8B-B14F-4D97-AF65-F5344CB8AC3E}">
-        <p14:creationId xmlns:p14="http://schemas.microsoft.com/office/powerpoint/2010/main" val="2713763720"/>
-      </p:ext>
-    </p:extLst>
-  </p:cSld>
-  <p:clrMapOvr>
-    <a:masterClrMapping/>
-  </p:clrMapOvr>
-</p:sld>
-</file>
-
-<file path=ppt/slides/slide5.xml><?xml version="1.0" encoding="utf-8"?>
-<p:sld xmlns:a="http://schemas.openxmlformats.org/drawingml/2006/main" xmlns:r="http://schemas.openxmlformats.org/officeDocument/2006/relationships" xmlns:p="http://schemas.openxmlformats.org/presentationml/2006/main">
-  <p:cSld>
-    <p:spTree>
-      <p:nvGrpSpPr>
-        <p:cNvPr id="1" name=""/>
-        <p:cNvGrpSpPr/>
-        <p:nvPr/>
-      </p:nvGrpSpPr>
-      <p:grpSpPr>
-        <a:xfrm>
-          <a:off x="0" y="0"/>
-          <a:ext cx="0" cy="0"/>
-          <a:chOff x="0" y="0"/>
-          <a:chExt cx="0" cy="0"/>
-        </a:xfrm>
-      </p:grpSpPr>
-      <p:sp>
-        <p:nvSpPr>
-          <p:cNvPr id="2" name="Заголовок 1">
-            <a:extLst>
-              <a:ext uri="{FF2B5EF4-FFF2-40B4-BE49-F238E27FC236}">
-                <a16:creationId xmlns:a16="http://schemas.microsoft.com/office/drawing/2014/main" id="{B2D5C374-4D81-DA11-55B3-BC260D232B78}"/>
-              </a:ext>
-            </a:extLst>
-          </p:cNvPr>
-          <p:cNvSpPr>
-            <a:spLocks noGrp="1"/>
-          </p:cNvSpPr>
-          <p:nvPr>
-            <p:ph type="title"/>
-          </p:nvPr>
-        </p:nvSpPr>
-        <p:spPr/>
-        <p:txBody>
-          <a:bodyPr/>
-          <a:lstStyle/>
-          <a:p>
-            <a:r>
-              <a:rPr lang="ru-RU" dirty="0"/>
-              <a:t>Вход в аккаунт</a:t>
-            </a:r>
-          </a:p>
-        </p:txBody>
-      </p:sp>
-      <p:pic>
-        <p:nvPicPr>
-          <p:cNvPr id="5" name="Рисунок 4">
-            <a:extLst>
-              <a:ext uri="{FF2B5EF4-FFF2-40B4-BE49-F238E27FC236}">
-                <a16:creationId xmlns:a16="http://schemas.microsoft.com/office/drawing/2014/main" id="{B909A57F-29B5-3A66-6FB0-E446B1D1D730}"/>
-              </a:ext>
-            </a:extLst>
-          </p:cNvPr>
-          <p:cNvPicPr>
-            <a:picLocks noChangeAspect="1"/>
-          </p:cNvPicPr>
-          <p:nvPr/>
-        </p:nvPicPr>
-        <p:blipFill>
-          <a:blip r:embed="rId2"/>
-          <a:stretch>
-            <a:fillRect/>
-          </a:stretch>
-        </p:blipFill>
-        <p:spPr>
-          <a:xfrm>
-            <a:off x="639568" y="1913632"/>
-            <a:ext cx="10912863" cy="3656577"/>
-          </a:xfrm>
-          <a:prstGeom prst="rect">
-            <a:avLst/>
-          </a:prstGeom>
-        </p:spPr>
-      </p:pic>
-    </p:spTree>
-    <p:extLst>
-      <p:ext uri="{BB962C8B-B14F-4D97-AF65-F5344CB8AC3E}">
-        <p14:creationId xmlns:p14="http://schemas.microsoft.com/office/powerpoint/2010/main" val="1748804142"/>
-      </p:ext>
-    </p:extLst>
-  </p:cSld>
-  <p:clrMapOvr>
-    <a:masterClrMapping/>
-  </p:clrMapOvr>
-</p:sld>
-</file>
-
-<file path=ppt/slides/slide6.xml><?xml version="1.0" encoding="utf-8"?>
-<p:sld xmlns:a="http://schemas.openxmlformats.org/drawingml/2006/main" xmlns:r="http://schemas.openxmlformats.org/officeDocument/2006/relationships" xmlns:p="http://schemas.openxmlformats.org/presentationml/2006/main">
-  <p:cSld>
-    <p:spTree>
-      <p:nvGrpSpPr>
-        <p:cNvPr id="1" name=""/>
-        <p:cNvGrpSpPr/>
-        <p:nvPr/>
-      </p:nvGrpSpPr>
-      <p:grpSpPr>
-        <a:xfrm>
-          <a:off x="0" y="0"/>
-          <a:ext cx="0" cy="0"/>
-          <a:chOff x="0" y="0"/>
-          <a:chExt cx="0" cy="0"/>
-        </a:xfrm>
-      </p:grpSpPr>
-      <p:sp>
-        <p:nvSpPr>
-          <p:cNvPr id="2" name="Заголовок 1">
-            <a:extLst>
-              <a:ext uri="{FF2B5EF4-FFF2-40B4-BE49-F238E27FC236}">
-                <a16:creationId xmlns:a16="http://schemas.microsoft.com/office/drawing/2014/main" id="{5C884E6E-906F-5DE0-995A-EEAACE55F52F}"/>
-              </a:ext>
-            </a:extLst>
-          </p:cNvPr>
-          <p:cNvSpPr>
-            <a:spLocks noGrp="1"/>
-          </p:cNvSpPr>
-          <p:nvPr>
-            <p:ph type="title"/>
-          </p:nvPr>
-        </p:nvSpPr>
-        <p:spPr/>
-        <p:txBody>
-          <a:bodyPr/>
-          <a:lstStyle/>
-          <a:p>
-            <a:r>
-              <a:rPr lang="ru-RU" dirty="0"/>
-              <a:t>ГЛАВНАЯ СТРАНИЦА</a:t>
-            </a:r>
-          </a:p>
-        </p:txBody>
-      </p:sp>
-      <p:pic>
-        <p:nvPicPr>
-          <p:cNvPr id="5" name="Рисунок 4">
-            <a:extLst>
-              <a:ext uri="{FF2B5EF4-FFF2-40B4-BE49-F238E27FC236}">
-                <a16:creationId xmlns:a16="http://schemas.microsoft.com/office/drawing/2014/main" id="{782F6DB6-EF25-50DE-CAD3-047739C679AB}"/>
-              </a:ext>
-            </a:extLst>
-          </p:cNvPr>
-          <p:cNvPicPr>
-            <a:picLocks noChangeAspect="1"/>
-          </p:cNvPicPr>
-          <p:nvPr/>
-        </p:nvPicPr>
-        <p:blipFill>
-          <a:blip r:embed="rId2"/>
-          <a:stretch>
-            <a:fillRect/>
-          </a:stretch>
-        </p:blipFill>
-        <p:spPr>
-          <a:xfrm>
-            <a:off x="760152" y="1930141"/>
-            <a:ext cx="10671693" cy="4485446"/>
-          </a:xfrm>
-          <a:prstGeom prst="rect">
-            <a:avLst/>
-          </a:prstGeom>
-        </p:spPr>
-      </p:pic>
-    </p:spTree>
-    <p:extLst>
-      <p:ext uri="{BB962C8B-B14F-4D97-AF65-F5344CB8AC3E}">
-        <p14:creationId xmlns:p14="http://schemas.microsoft.com/office/powerpoint/2010/main" val="2955866656"/>
-      </p:ext>
-    </p:extLst>
-  </p:cSld>
-  <p:clrMapOvr>
-    <a:masterClrMapping/>
-  </p:clrMapOvr>
-</p:sld>
-</file>
-
-<file path=ppt/slides/slide7.xml><?xml version="1.0" encoding="utf-8"?>
-<p:sld xmlns:a="http://schemas.openxmlformats.org/drawingml/2006/main" xmlns:r="http://schemas.openxmlformats.org/officeDocument/2006/relationships" xmlns:p="http://schemas.openxmlformats.org/presentationml/2006/main">
-  <p:cSld>
-    <p:spTree>
-      <p:nvGrpSpPr>
-        <p:cNvPr id="1" name=""/>
-        <p:cNvGrpSpPr/>
-        <p:nvPr/>
-      </p:nvGrpSpPr>
-      <p:grpSpPr>
-        <a:xfrm>
-          <a:off x="0" y="0"/>
-          <a:ext cx="0" cy="0"/>
-          <a:chOff x="0" y="0"/>
-          <a:chExt cx="0" cy="0"/>
-        </a:xfrm>
-      </p:grpSpPr>
-      <p:sp>
-        <p:nvSpPr>
-          <p:cNvPr id="2" name="Заголовок 1">
-            <a:extLst>
-              <a:ext uri="{FF2B5EF4-FFF2-40B4-BE49-F238E27FC236}">
-                <a16:creationId xmlns:a16="http://schemas.microsoft.com/office/drawing/2014/main" id="{0E248FBB-D4EC-D652-4ED7-98591350955A}"/>
-              </a:ext>
-            </a:extLst>
-          </p:cNvPr>
-          <p:cNvSpPr>
-            <a:spLocks noGrp="1"/>
-          </p:cNvSpPr>
-          <p:nvPr>
-            <p:ph type="title"/>
-          </p:nvPr>
-        </p:nvSpPr>
-        <p:spPr/>
-        <p:txBody>
-          <a:bodyPr/>
-          <a:lstStyle/>
-          <a:p>
-            <a:r>
-              <a:rPr lang="ru-RU" dirty="0"/>
-              <a:t>КАТАЛОГ ТОВАРОВ</a:t>
-            </a:r>
-          </a:p>
-        </p:txBody>
-      </p:sp>
-      <p:pic>
-        <p:nvPicPr>
-          <p:cNvPr id="5" name="Рисунок 4">
-            <a:extLst>
-              <a:ext uri="{FF2B5EF4-FFF2-40B4-BE49-F238E27FC236}">
-                <a16:creationId xmlns:a16="http://schemas.microsoft.com/office/drawing/2014/main" id="{E1DE739E-01DB-650D-1DBA-3F3B19887B79}"/>
-              </a:ext>
-            </a:extLst>
-          </p:cNvPr>
-          <p:cNvPicPr>
-            <a:picLocks noChangeAspect="1"/>
-          </p:cNvPicPr>
-          <p:nvPr/>
-        </p:nvPicPr>
-        <p:blipFill>
-          <a:blip r:embed="rId2"/>
-          <a:stretch>
-            <a:fillRect/>
-          </a:stretch>
-        </p:blipFill>
-        <p:spPr>
-          <a:xfrm>
-            <a:off x="1125416" y="1876551"/>
-            <a:ext cx="9686322" cy="4878476"/>
-          </a:xfrm>
-          <a:prstGeom prst="rect">
-            <a:avLst/>
-          </a:prstGeom>
-        </p:spPr>
-      </p:pic>
-    </p:spTree>
-    <p:extLst>
-      <p:ext uri="{BB962C8B-B14F-4D97-AF65-F5344CB8AC3E}">
-        <p14:creationId xmlns:p14="http://schemas.microsoft.com/office/powerpoint/2010/main" val="1016960164"/>
-      </p:ext>
-    </p:extLst>
-  </p:cSld>
-  <p:clrMapOvr>
-    <a:masterClrMapping/>
-  </p:clrMapOvr>
-</p:sld>
-</file>
-
-<file path=ppt/slides/slide8.xml><?xml version="1.0" encoding="utf-8"?>
-<p:sld xmlns:a="http://schemas.openxmlformats.org/drawingml/2006/main" xmlns:r="http://schemas.openxmlformats.org/officeDocument/2006/relationships" xmlns:p="http://schemas.openxmlformats.org/presentationml/2006/main">
-  <p:cSld>
-    <p:spTree>
-      <p:nvGrpSpPr>
-        <p:cNvPr id="1" name=""/>
-        <p:cNvGrpSpPr/>
-        <p:nvPr/>
-      </p:nvGrpSpPr>
-      <p:grpSpPr>
-        <a:xfrm>
-          <a:off x="0" y="0"/>
-          <a:ext cx="0" cy="0"/>
-          <a:chOff x="0" y="0"/>
-          <a:chExt cx="0" cy="0"/>
-        </a:xfrm>
-      </p:grpSpPr>
-      <p:sp>
-        <p:nvSpPr>
-          <p:cNvPr id="2" name="Заголовок 1">
-            <a:extLst>
-              <a:ext uri="{FF2B5EF4-FFF2-40B4-BE49-F238E27FC236}">
-                <a16:creationId xmlns:a16="http://schemas.microsoft.com/office/drawing/2014/main" id="{75E51DAB-1A29-A8B7-8F35-A5D552CBE949}"/>
-              </a:ext>
-            </a:extLst>
-          </p:cNvPr>
-          <p:cNvSpPr>
-            <a:spLocks noGrp="1"/>
-          </p:cNvSpPr>
-          <p:nvPr>
-            <p:ph type="title"/>
-          </p:nvPr>
-        </p:nvSpPr>
-        <p:spPr/>
-        <p:txBody>
-          <a:bodyPr/>
-          <a:lstStyle/>
-          <a:p>
-            <a:r>
-              <a:rPr lang="ru-RU" dirty="0"/>
-              <a:t>Использование </a:t>
-            </a:r>
-            <a:r>
-              <a:rPr lang="en-US" dirty="0"/>
-              <a:t>API</a:t>
-            </a:r>
-            <a:endParaRPr lang="ru-RU" dirty="0"/>
-          </a:p>
-        </p:txBody>
-      </p:sp>
-      <p:pic>
-        <p:nvPicPr>
-          <p:cNvPr id="5" name="Объект 4">
-            <a:extLst>
-              <a:ext uri="{FF2B5EF4-FFF2-40B4-BE49-F238E27FC236}">
-                <a16:creationId xmlns:a16="http://schemas.microsoft.com/office/drawing/2014/main" id="{B9880EE9-F441-948C-789B-6CE65DB3A9A0}"/>
-              </a:ext>
-            </a:extLst>
-          </p:cNvPr>
-          <p:cNvPicPr>
-            <a:picLocks noGrp="1" noChangeAspect="1"/>
-          </p:cNvPicPr>
-          <p:nvPr>
-            <p:ph idx="1"/>
-          </p:nvPr>
-        </p:nvPicPr>
-        <p:blipFill>
-          <a:blip r:embed="rId2"/>
-          <a:stretch>
-            <a:fillRect/>
-          </a:stretch>
-        </p:blipFill>
-        <p:spPr>
-          <a:xfrm>
-            <a:off x="3778414" y="1939172"/>
-            <a:ext cx="3712533" cy="3678238"/>
-          </a:xfrm>
-        </p:spPr>
-      </p:pic>
-      <p:sp>
-        <p:nvSpPr>
-          <p:cNvPr id="6" name="TextBox 5">
-            <a:extLst>
-              <a:ext uri="{FF2B5EF4-FFF2-40B4-BE49-F238E27FC236}">
-                <a16:creationId xmlns:a16="http://schemas.microsoft.com/office/drawing/2014/main" id="{C49DE026-1812-9A27-B0B8-657A11B164E4}"/>
-              </a:ext>
-            </a:extLst>
-          </p:cNvPr>
-          <p:cNvSpPr txBox="1"/>
-          <p:nvPr/>
-        </p:nvSpPr>
-        <p:spPr>
-          <a:xfrm>
-            <a:off x="3492842" y="5840626"/>
-            <a:ext cx="4283676" cy="369332"/>
-          </a:xfrm>
-          <a:prstGeom prst="rect">
-            <a:avLst/>
-          </a:prstGeom>
-          <a:noFill/>
-        </p:spPr>
-        <p:txBody>
-          <a:bodyPr wrap="square" rtlCol="0">
-            <a:spAutoFit/>
-          </a:bodyPr>
-          <a:lstStyle/>
-          <a:p>
-            <a:pPr algn="ctr"/>
-            <a:r>
-              <a:rPr lang="ru-RU" dirty="0">
-                <a:latin typeface="Bahnschrift" panose="020B0502040204020203" pitchFamily="34" charset="0"/>
-              </a:rPr>
-              <a:t>Фрагмент кода</a:t>
-            </a:r>
-            <a:r>
-              <a:rPr lang="en-US" dirty="0">
-                <a:latin typeface="Bahnschrift" panose="020B0502040204020203" pitchFamily="34" charset="0"/>
-              </a:rPr>
-              <a:t> </a:t>
-            </a:r>
-            <a:r>
-              <a:rPr lang="en-US" dirty="0" err="1">
-                <a:latin typeface="Bahnschrift" panose="020B0502040204020203" pitchFamily="34" charset="0"/>
-              </a:rPr>
-              <a:t>Api</a:t>
-            </a:r>
-            <a:r>
-              <a:rPr lang="en-US" dirty="0">
-                <a:latin typeface="Bahnschrift" panose="020B0502040204020203" pitchFamily="34" charset="0"/>
-              </a:rPr>
-              <a:t> RESTful</a:t>
-            </a:r>
-            <a:r>
-              <a:rPr lang="ru-RU" dirty="0">
-                <a:latin typeface="Bahnschrift" panose="020B0502040204020203" pitchFamily="34" charset="0"/>
-              </a:rPr>
-              <a:t> </a:t>
-            </a:r>
-          </a:p>
-        </p:txBody>
-      </p:sp>
-    </p:spTree>
-    <p:extLst>
-      <p:ext uri="{BB962C8B-B14F-4D97-AF65-F5344CB8AC3E}">
-        <p14:creationId xmlns:p14="http://schemas.microsoft.com/office/powerpoint/2010/main" val="3604649487"/>
-      </p:ext>
-    </p:extLst>
-  </p:cSld>
-  <p:clrMapOvr>
-    <a:masterClrMapping/>
-  </p:clrMapOvr>
-</p:sld>
-</file>
-
-<file path=ppt/slides/slide9.xml><?xml version="1.0" encoding="utf-8"?>
+<file path=ppt/slides/slide10.xml><?xml version="1.0" encoding="utf-8"?>
 <p:sld xmlns:a="http://schemas.openxmlformats.org/drawingml/2006/main" xmlns:r="http://schemas.openxmlformats.org/officeDocument/2006/relationships" xmlns:p="http://schemas.openxmlformats.org/presentationml/2006/main">
   <p:cSld>
     <p:bg>
@@ -6465,6 +5620,944 @@
     <p:extLst>
       <p:ext uri="{BB962C8B-B14F-4D97-AF65-F5344CB8AC3E}">
         <p14:creationId xmlns:p14="http://schemas.microsoft.com/office/powerpoint/2010/main" val="3501347425"/>
+      </p:ext>
+    </p:extLst>
+  </p:cSld>
+  <p:clrMapOvr>
+    <a:masterClrMapping/>
+  </p:clrMapOvr>
+</p:sld>
+</file>
+
+<file path=ppt/slides/slide2.xml><?xml version="1.0" encoding="utf-8"?>
+<p:sld xmlns:a="http://schemas.openxmlformats.org/drawingml/2006/main" xmlns:r="http://schemas.openxmlformats.org/officeDocument/2006/relationships" xmlns:p="http://schemas.openxmlformats.org/presentationml/2006/main">
+  <p:cSld>
+    <p:spTree>
+      <p:nvGrpSpPr>
+        <p:cNvPr id="1" name=""/>
+        <p:cNvGrpSpPr/>
+        <p:nvPr/>
+      </p:nvGrpSpPr>
+      <p:grpSpPr>
+        <a:xfrm>
+          <a:off x="0" y="0"/>
+          <a:ext cx="0" cy="0"/>
+          <a:chOff x="0" y="0"/>
+          <a:chExt cx="0" cy="0"/>
+        </a:xfrm>
+      </p:grpSpPr>
+      <p:sp>
+        <p:nvSpPr>
+          <p:cNvPr id="2" name="Заголовок 1">
+            <a:extLst>
+              <a:ext uri="{FF2B5EF4-FFF2-40B4-BE49-F238E27FC236}">
+                <a16:creationId xmlns:a16="http://schemas.microsoft.com/office/drawing/2014/main" id="{E7757706-8150-E539-B911-2392DF28D4F7}"/>
+              </a:ext>
+            </a:extLst>
+          </p:cNvPr>
+          <p:cNvSpPr>
+            <a:spLocks noGrp="1"/>
+          </p:cNvSpPr>
+          <p:nvPr>
+            <p:ph type="title"/>
+          </p:nvPr>
+        </p:nvSpPr>
+        <p:spPr/>
+        <p:txBody>
+          <a:bodyPr/>
+          <a:lstStyle/>
+          <a:p>
+            <a:r>
+              <a:rPr lang="ru-RU" dirty="0"/>
+              <a:t>Идея сайта – спортивный магазин</a:t>
+            </a:r>
+          </a:p>
+        </p:txBody>
+      </p:sp>
+      <p:sp>
+        <p:nvSpPr>
+          <p:cNvPr id="3" name="Объект 2">
+            <a:extLst>
+              <a:ext uri="{FF2B5EF4-FFF2-40B4-BE49-F238E27FC236}">
+                <a16:creationId xmlns:a16="http://schemas.microsoft.com/office/drawing/2014/main" id="{3B917A77-ABF8-D57A-3931-D69BAE828F7E}"/>
+              </a:ext>
+            </a:extLst>
+          </p:cNvPr>
+          <p:cNvSpPr>
+            <a:spLocks noGrp="1"/>
+          </p:cNvSpPr>
+          <p:nvPr>
+            <p:ph idx="1"/>
+          </p:nvPr>
+        </p:nvSpPr>
+        <p:spPr/>
+        <p:txBody>
+          <a:bodyPr/>
+          <a:lstStyle/>
+          <a:p>
+            <a:r>
+              <a:rPr lang="ru-RU" dirty="0">
+                <a:latin typeface="Bahnschrift" panose="020B0502040204020203" pitchFamily="34" charset="0"/>
+              </a:rPr>
+              <a:t>Я выбрал модель спортивного магазина в качестве идеи своего проекта, потому что разработка интернет-магазина представляет множество возможностей для разработки.</a:t>
+            </a:r>
+          </a:p>
+        </p:txBody>
+      </p:sp>
+    </p:spTree>
+    <p:extLst>
+      <p:ext uri="{BB962C8B-B14F-4D97-AF65-F5344CB8AC3E}">
+        <p14:creationId xmlns:p14="http://schemas.microsoft.com/office/powerpoint/2010/main" val="2361163281"/>
+      </p:ext>
+    </p:extLst>
+  </p:cSld>
+  <p:clrMapOvr>
+    <a:masterClrMapping/>
+  </p:clrMapOvr>
+</p:sld>
+</file>
+
+<file path=ppt/slides/slide3.xml><?xml version="1.0" encoding="utf-8"?>
+<p:sld xmlns:a="http://schemas.openxmlformats.org/drawingml/2006/main" xmlns:r="http://schemas.openxmlformats.org/officeDocument/2006/relationships" xmlns:p="http://schemas.openxmlformats.org/presentationml/2006/main">
+  <p:cSld>
+    <p:spTree>
+      <p:nvGrpSpPr>
+        <p:cNvPr id="1" name=""/>
+        <p:cNvGrpSpPr/>
+        <p:nvPr/>
+      </p:nvGrpSpPr>
+      <p:grpSpPr>
+        <a:xfrm>
+          <a:off x="0" y="0"/>
+          <a:ext cx="0" cy="0"/>
+          <a:chOff x="0" y="0"/>
+          <a:chExt cx="0" cy="0"/>
+        </a:xfrm>
+      </p:grpSpPr>
+      <p:sp>
+        <p:nvSpPr>
+          <p:cNvPr id="2" name="Заголовок 1">
+            <a:extLst>
+              <a:ext uri="{FF2B5EF4-FFF2-40B4-BE49-F238E27FC236}">
+                <a16:creationId xmlns:a16="http://schemas.microsoft.com/office/drawing/2014/main" id="{4E8882D5-4567-44F0-19E5-D472365A7037}"/>
+              </a:ext>
+            </a:extLst>
+          </p:cNvPr>
+          <p:cNvSpPr>
+            <a:spLocks noGrp="1"/>
+          </p:cNvSpPr>
+          <p:nvPr>
+            <p:ph type="title"/>
+          </p:nvPr>
+        </p:nvSpPr>
+        <p:spPr/>
+        <p:txBody>
+          <a:bodyPr/>
+          <a:lstStyle/>
+          <a:p>
+            <a:r>
+              <a:rPr lang="ru-RU" dirty="0"/>
+              <a:t>Технологии</a:t>
+            </a:r>
+          </a:p>
+        </p:txBody>
+      </p:sp>
+      <p:pic>
+        <p:nvPicPr>
+          <p:cNvPr id="5" name="Рисунок 4">
+            <a:extLst>
+              <a:ext uri="{FF2B5EF4-FFF2-40B4-BE49-F238E27FC236}">
+                <a16:creationId xmlns:a16="http://schemas.microsoft.com/office/drawing/2014/main" id="{3D5366C0-FEE3-0B0A-ED3F-EBD4961EA470}"/>
+              </a:ext>
+            </a:extLst>
+          </p:cNvPr>
+          <p:cNvPicPr>
+            <a:picLocks noChangeAspect="1"/>
+          </p:cNvPicPr>
+          <p:nvPr/>
+        </p:nvPicPr>
+        <p:blipFill>
+          <a:blip r:embed="rId2">
+            <a:extLst>
+              <a:ext uri="{96DAC541-7B7A-43D3-8B79-37D633B846F1}">
+                <asvg:svgBlip xmlns:asvg="http://schemas.microsoft.com/office/drawing/2016/SVG/main" r:embed="rId3"/>
+              </a:ext>
+            </a:extLst>
+          </a:blip>
+          <a:stretch>
+            <a:fillRect/>
+          </a:stretch>
+        </p:blipFill>
+        <p:spPr>
+          <a:xfrm>
+            <a:off x="2325175" y="2170670"/>
+            <a:ext cx="2036548" cy="2036548"/>
+          </a:xfrm>
+          <a:prstGeom prst="rect">
+            <a:avLst/>
+          </a:prstGeom>
+        </p:spPr>
+      </p:pic>
+      <p:sp>
+        <p:nvSpPr>
+          <p:cNvPr id="6" name="TextBox 5">
+            <a:extLst>
+              <a:ext uri="{FF2B5EF4-FFF2-40B4-BE49-F238E27FC236}">
+                <a16:creationId xmlns:a16="http://schemas.microsoft.com/office/drawing/2014/main" id="{7D023639-7566-A65A-C3CA-078E7E0AA4CC}"/>
+              </a:ext>
+            </a:extLst>
+          </p:cNvPr>
+          <p:cNvSpPr txBox="1"/>
+          <p:nvPr/>
+        </p:nvSpPr>
+        <p:spPr>
+          <a:xfrm>
+            <a:off x="1920574" y="4661932"/>
+            <a:ext cx="2845749" cy="646331"/>
+          </a:xfrm>
+          <a:prstGeom prst="rect">
+            <a:avLst/>
+          </a:prstGeom>
+          <a:noFill/>
+        </p:spPr>
+        <p:txBody>
+          <a:bodyPr wrap="square" rtlCol="0">
+            <a:spAutoFit/>
+          </a:bodyPr>
+          <a:lstStyle/>
+          <a:p>
+            <a:r>
+              <a:rPr lang="ru-RU" dirty="0">
+                <a:latin typeface="Bahnschrift" panose="020B0502040204020203" pitchFamily="34" charset="0"/>
+              </a:rPr>
+              <a:t>Среда разработки – </a:t>
+            </a:r>
+            <a:r>
+              <a:rPr lang="en-US" dirty="0">
+                <a:latin typeface="Bahnschrift" panose="020B0502040204020203" pitchFamily="34" charset="0"/>
+              </a:rPr>
+              <a:t>JetBrains </a:t>
+            </a:r>
+            <a:r>
+              <a:rPr lang="en-US" dirty="0" err="1">
+                <a:latin typeface="Bahnschrift" panose="020B0502040204020203" pitchFamily="34" charset="0"/>
+              </a:rPr>
+              <a:t>Pycharm</a:t>
+            </a:r>
+            <a:endParaRPr lang="ru-RU" dirty="0">
+              <a:latin typeface="Bahnschrift" panose="020B0502040204020203" pitchFamily="34" charset="0"/>
+            </a:endParaRPr>
+          </a:p>
+        </p:txBody>
+      </p:sp>
+      <p:pic>
+        <p:nvPicPr>
+          <p:cNvPr id="10" name="Рисунок 9">
+            <a:extLst>
+              <a:ext uri="{FF2B5EF4-FFF2-40B4-BE49-F238E27FC236}">
+                <a16:creationId xmlns:a16="http://schemas.microsoft.com/office/drawing/2014/main" id="{0EF756E7-39D8-296F-EFCD-558D94B2AFE8}"/>
+              </a:ext>
+            </a:extLst>
+          </p:cNvPr>
+          <p:cNvPicPr>
+            <a:picLocks noChangeAspect="1"/>
+          </p:cNvPicPr>
+          <p:nvPr/>
+        </p:nvPicPr>
+        <p:blipFill>
+          <a:blip r:embed="rId4">
+            <a:extLst>
+              <a:ext uri="{96DAC541-7B7A-43D3-8B79-37D633B846F1}">
+                <asvg:svgBlip xmlns:asvg="http://schemas.microsoft.com/office/drawing/2016/SVG/main" r:embed="rId5"/>
+              </a:ext>
+            </a:extLst>
+          </a:blip>
+          <a:stretch>
+            <a:fillRect/>
+          </a:stretch>
+        </p:blipFill>
+        <p:spPr>
+          <a:xfrm>
+            <a:off x="7830279" y="2170670"/>
+            <a:ext cx="2220129" cy="2436727"/>
+          </a:xfrm>
+          <a:prstGeom prst="rect">
+            <a:avLst/>
+          </a:prstGeom>
+        </p:spPr>
+      </p:pic>
+      <p:sp>
+        <p:nvSpPr>
+          <p:cNvPr id="11" name="TextBox 10">
+            <a:extLst>
+              <a:ext uri="{FF2B5EF4-FFF2-40B4-BE49-F238E27FC236}">
+                <a16:creationId xmlns:a16="http://schemas.microsoft.com/office/drawing/2014/main" id="{1DBCCA60-F6EE-2DA0-2CB1-8C363E4921ED}"/>
+              </a:ext>
+            </a:extLst>
+          </p:cNvPr>
+          <p:cNvSpPr txBox="1"/>
+          <p:nvPr/>
+        </p:nvSpPr>
+        <p:spPr>
+          <a:xfrm>
+            <a:off x="6969211" y="4661932"/>
+            <a:ext cx="3756454" cy="1200329"/>
+          </a:xfrm>
+          <a:prstGeom prst="rect">
+            <a:avLst/>
+          </a:prstGeom>
+          <a:noFill/>
+        </p:spPr>
+        <p:txBody>
+          <a:bodyPr wrap="square" rtlCol="0">
+            <a:spAutoFit/>
+          </a:bodyPr>
+          <a:lstStyle/>
+          <a:p>
+            <a:r>
+              <a:rPr lang="ru-RU" dirty="0">
+                <a:latin typeface="Bahnschrift" panose="020B0502040204020203" pitchFamily="34" charset="0"/>
+              </a:rPr>
+              <a:t>Язык разработки – </a:t>
+            </a:r>
+            <a:r>
+              <a:rPr lang="en-US" dirty="0">
+                <a:latin typeface="Bahnschrift" panose="020B0502040204020203" pitchFamily="34" charset="0"/>
+              </a:rPr>
+              <a:t>Python (</a:t>
+            </a:r>
+            <a:r>
+              <a:rPr lang="ru-RU" dirty="0">
+                <a:latin typeface="Bahnschrift" panose="020B0502040204020203" pitchFamily="34" charset="0"/>
+              </a:rPr>
+              <a:t>сторонние библиотеки: </a:t>
+            </a:r>
+            <a:r>
+              <a:rPr lang="en-US" dirty="0">
+                <a:latin typeface="Bahnschrift" panose="020B0502040204020203" pitchFamily="34" charset="0"/>
+              </a:rPr>
+              <a:t>flask, </a:t>
+            </a:r>
+            <a:r>
+              <a:rPr lang="en-US" dirty="0" err="1">
+                <a:latin typeface="Bahnschrift" panose="020B0502040204020203" pitchFamily="34" charset="0"/>
+              </a:rPr>
+              <a:t>sqlalchemy</a:t>
+            </a:r>
+            <a:r>
+              <a:rPr lang="en-US" dirty="0">
+                <a:latin typeface="Bahnschrift" panose="020B0502040204020203" pitchFamily="34" charset="0"/>
+              </a:rPr>
+              <a:t>, flask-wtf, flask-restful)</a:t>
+            </a:r>
+            <a:endParaRPr lang="ru-RU" dirty="0">
+              <a:latin typeface="Bahnschrift" panose="020B0502040204020203" pitchFamily="34" charset="0"/>
+            </a:endParaRPr>
+          </a:p>
+        </p:txBody>
+      </p:sp>
+    </p:spTree>
+    <p:extLst>
+      <p:ext uri="{BB962C8B-B14F-4D97-AF65-F5344CB8AC3E}">
+        <p14:creationId xmlns:p14="http://schemas.microsoft.com/office/powerpoint/2010/main" val="2604438506"/>
+      </p:ext>
+    </p:extLst>
+  </p:cSld>
+  <p:clrMapOvr>
+    <a:masterClrMapping/>
+  </p:clrMapOvr>
+</p:sld>
+</file>
+
+<file path=ppt/slides/slide4.xml><?xml version="1.0" encoding="utf-8"?>
+<p:sld xmlns:a="http://schemas.openxmlformats.org/drawingml/2006/main" xmlns:r="http://schemas.openxmlformats.org/officeDocument/2006/relationships" xmlns:p="http://schemas.openxmlformats.org/presentationml/2006/main">
+  <p:cSld>
+    <p:spTree>
+      <p:nvGrpSpPr>
+        <p:cNvPr id="1" name=""/>
+        <p:cNvGrpSpPr/>
+        <p:nvPr/>
+      </p:nvGrpSpPr>
+      <p:grpSpPr>
+        <a:xfrm>
+          <a:off x="0" y="0"/>
+          <a:ext cx="0" cy="0"/>
+          <a:chOff x="0" y="0"/>
+          <a:chExt cx="0" cy="0"/>
+        </a:xfrm>
+      </p:grpSpPr>
+      <p:sp>
+        <p:nvSpPr>
+          <p:cNvPr id="2" name="Заголовок 1">
+            <a:extLst>
+              <a:ext uri="{FF2B5EF4-FFF2-40B4-BE49-F238E27FC236}">
+                <a16:creationId xmlns:a16="http://schemas.microsoft.com/office/drawing/2014/main" id="{872ABDDF-1E5C-6A6D-2B50-DAFFA65342F9}"/>
+              </a:ext>
+            </a:extLst>
+          </p:cNvPr>
+          <p:cNvSpPr>
+            <a:spLocks noGrp="1"/>
+          </p:cNvSpPr>
+          <p:nvPr>
+            <p:ph type="title"/>
+          </p:nvPr>
+        </p:nvSpPr>
+        <p:spPr/>
+        <p:txBody>
+          <a:bodyPr/>
+          <a:lstStyle/>
+          <a:p>
+            <a:r>
+              <a:rPr lang="ru-RU" dirty="0"/>
+              <a:t>Регистрация пользователя</a:t>
+            </a:r>
+          </a:p>
+        </p:txBody>
+      </p:sp>
+      <p:pic>
+        <p:nvPicPr>
+          <p:cNvPr id="7" name="Рисунок 6">
+            <a:extLst>
+              <a:ext uri="{FF2B5EF4-FFF2-40B4-BE49-F238E27FC236}">
+                <a16:creationId xmlns:a16="http://schemas.microsoft.com/office/drawing/2014/main" id="{417C99E7-ADB2-78D0-D61C-285E6F694123}"/>
+              </a:ext>
+            </a:extLst>
+          </p:cNvPr>
+          <p:cNvPicPr>
+            <a:picLocks noChangeAspect="1"/>
+          </p:cNvPicPr>
+          <p:nvPr/>
+        </p:nvPicPr>
+        <p:blipFill>
+          <a:blip r:embed="rId2"/>
+          <a:stretch>
+            <a:fillRect/>
+          </a:stretch>
+        </p:blipFill>
+        <p:spPr>
+          <a:xfrm>
+            <a:off x="581192" y="1943738"/>
+            <a:ext cx="11029615" cy="4469293"/>
+          </a:xfrm>
+          <a:prstGeom prst="rect">
+            <a:avLst/>
+          </a:prstGeom>
+        </p:spPr>
+      </p:pic>
+    </p:spTree>
+    <p:extLst>
+      <p:ext uri="{BB962C8B-B14F-4D97-AF65-F5344CB8AC3E}">
+        <p14:creationId xmlns:p14="http://schemas.microsoft.com/office/powerpoint/2010/main" val="2713763720"/>
+      </p:ext>
+    </p:extLst>
+  </p:cSld>
+  <p:clrMapOvr>
+    <a:masterClrMapping/>
+  </p:clrMapOvr>
+</p:sld>
+</file>
+
+<file path=ppt/slides/slide5.xml><?xml version="1.0" encoding="utf-8"?>
+<p:sld xmlns:a="http://schemas.openxmlformats.org/drawingml/2006/main" xmlns:r="http://schemas.openxmlformats.org/officeDocument/2006/relationships" xmlns:p="http://schemas.openxmlformats.org/presentationml/2006/main">
+  <p:cSld>
+    <p:spTree>
+      <p:nvGrpSpPr>
+        <p:cNvPr id="1" name=""/>
+        <p:cNvGrpSpPr/>
+        <p:nvPr/>
+      </p:nvGrpSpPr>
+      <p:grpSpPr>
+        <a:xfrm>
+          <a:off x="0" y="0"/>
+          <a:ext cx="0" cy="0"/>
+          <a:chOff x="0" y="0"/>
+          <a:chExt cx="0" cy="0"/>
+        </a:xfrm>
+      </p:grpSpPr>
+      <p:sp>
+        <p:nvSpPr>
+          <p:cNvPr id="2" name="Заголовок 1">
+            <a:extLst>
+              <a:ext uri="{FF2B5EF4-FFF2-40B4-BE49-F238E27FC236}">
+                <a16:creationId xmlns:a16="http://schemas.microsoft.com/office/drawing/2014/main" id="{B2D5C374-4D81-DA11-55B3-BC260D232B78}"/>
+              </a:ext>
+            </a:extLst>
+          </p:cNvPr>
+          <p:cNvSpPr>
+            <a:spLocks noGrp="1"/>
+          </p:cNvSpPr>
+          <p:nvPr>
+            <p:ph type="title"/>
+          </p:nvPr>
+        </p:nvSpPr>
+        <p:spPr/>
+        <p:txBody>
+          <a:bodyPr/>
+          <a:lstStyle/>
+          <a:p>
+            <a:r>
+              <a:rPr lang="ru-RU" dirty="0"/>
+              <a:t>Вход в аккаунт</a:t>
+            </a:r>
+          </a:p>
+        </p:txBody>
+      </p:sp>
+      <p:pic>
+        <p:nvPicPr>
+          <p:cNvPr id="5" name="Рисунок 4">
+            <a:extLst>
+              <a:ext uri="{FF2B5EF4-FFF2-40B4-BE49-F238E27FC236}">
+                <a16:creationId xmlns:a16="http://schemas.microsoft.com/office/drawing/2014/main" id="{B909A57F-29B5-3A66-6FB0-E446B1D1D730}"/>
+              </a:ext>
+            </a:extLst>
+          </p:cNvPr>
+          <p:cNvPicPr>
+            <a:picLocks noChangeAspect="1"/>
+          </p:cNvPicPr>
+          <p:nvPr/>
+        </p:nvPicPr>
+        <p:blipFill>
+          <a:blip r:embed="rId2"/>
+          <a:stretch>
+            <a:fillRect/>
+          </a:stretch>
+        </p:blipFill>
+        <p:spPr>
+          <a:xfrm>
+            <a:off x="639568" y="1913632"/>
+            <a:ext cx="10912863" cy="3656577"/>
+          </a:xfrm>
+          <a:prstGeom prst="rect">
+            <a:avLst/>
+          </a:prstGeom>
+        </p:spPr>
+      </p:pic>
+    </p:spTree>
+    <p:extLst>
+      <p:ext uri="{BB962C8B-B14F-4D97-AF65-F5344CB8AC3E}">
+        <p14:creationId xmlns:p14="http://schemas.microsoft.com/office/powerpoint/2010/main" val="1748804142"/>
+      </p:ext>
+    </p:extLst>
+  </p:cSld>
+  <p:clrMapOvr>
+    <a:masterClrMapping/>
+  </p:clrMapOvr>
+</p:sld>
+</file>
+
+<file path=ppt/slides/slide6.xml><?xml version="1.0" encoding="utf-8"?>
+<p:sld xmlns:a="http://schemas.openxmlformats.org/drawingml/2006/main" xmlns:r="http://schemas.openxmlformats.org/officeDocument/2006/relationships" xmlns:p="http://schemas.openxmlformats.org/presentationml/2006/main">
+  <p:cSld>
+    <p:spTree>
+      <p:nvGrpSpPr>
+        <p:cNvPr id="1" name=""/>
+        <p:cNvGrpSpPr/>
+        <p:nvPr/>
+      </p:nvGrpSpPr>
+      <p:grpSpPr>
+        <a:xfrm>
+          <a:off x="0" y="0"/>
+          <a:ext cx="0" cy="0"/>
+          <a:chOff x="0" y="0"/>
+          <a:chExt cx="0" cy="0"/>
+        </a:xfrm>
+      </p:grpSpPr>
+      <p:sp>
+        <p:nvSpPr>
+          <p:cNvPr id="2" name="Заголовок 1">
+            <a:extLst>
+              <a:ext uri="{FF2B5EF4-FFF2-40B4-BE49-F238E27FC236}">
+                <a16:creationId xmlns:a16="http://schemas.microsoft.com/office/drawing/2014/main" id="{5C884E6E-906F-5DE0-995A-EEAACE55F52F}"/>
+              </a:ext>
+            </a:extLst>
+          </p:cNvPr>
+          <p:cNvSpPr>
+            <a:spLocks noGrp="1"/>
+          </p:cNvSpPr>
+          <p:nvPr>
+            <p:ph type="title"/>
+          </p:nvPr>
+        </p:nvSpPr>
+        <p:spPr/>
+        <p:txBody>
+          <a:bodyPr/>
+          <a:lstStyle/>
+          <a:p>
+            <a:r>
+              <a:rPr lang="ru-RU" dirty="0"/>
+              <a:t>ГЛАВНАЯ СТРАНИЦА</a:t>
+            </a:r>
+          </a:p>
+        </p:txBody>
+      </p:sp>
+      <p:pic>
+        <p:nvPicPr>
+          <p:cNvPr id="4" name="Рисунок 3">
+            <a:extLst>
+              <a:ext uri="{FF2B5EF4-FFF2-40B4-BE49-F238E27FC236}">
+                <a16:creationId xmlns:a16="http://schemas.microsoft.com/office/drawing/2014/main" id="{7E37799D-D034-2818-1CBD-84825B7BD7F2}"/>
+              </a:ext>
+            </a:extLst>
+          </p:cNvPr>
+          <p:cNvPicPr>
+            <a:picLocks noChangeAspect="1"/>
+          </p:cNvPicPr>
+          <p:nvPr/>
+        </p:nvPicPr>
+        <p:blipFill>
+          <a:blip r:embed="rId2"/>
+          <a:stretch>
+            <a:fillRect/>
+          </a:stretch>
+        </p:blipFill>
+        <p:spPr>
+          <a:xfrm>
+            <a:off x="639530" y="1925403"/>
+            <a:ext cx="10912939" cy="5541726"/>
+          </a:xfrm>
+          <a:prstGeom prst="rect">
+            <a:avLst/>
+          </a:prstGeom>
+        </p:spPr>
+      </p:pic>
+    </p:spTree>
+    <p:extLst>
+      <p:ext uri="{BB962C8B-B14F-4D97-AF65-F5344CB8AC3E}">
+        <p14:creationId xmlns:p14="http://schemas.microsoft.com/office/powerpoint/2010/main" val="2955866656"/>
+      </p:ext>
+    </p:extLst>
+  </p:cSld>
+  <p:clrMapOvr>
+    <a:masterClrMapping/>
+  </p:clrMapOvr>
+</p:sld>
+</file>
+
+<file path=ppt/slides/slide7.xml><?xml version="1.0" encoding="utf-8"?>
+<p:sld xmlns:a="http://schemas.openxmlformats.org/drawingml/2006/main" xmlns:r="http://schemas.openxmlformats.org/officeDocument/2006/relationships" xmlns:p="http://schemas.openxmlformats.org/presentationml/2006/main">
+  <p:cSld>
+    <p:spTree>
+      <p:nvGrpSpPr>
+        <p:cNvPr id="1" name=""/>
+        <p:cNvGrpSpPr/>
+        <p:nvPr/>
+      </p:nvGrpSpPr>
+      <p:grpSpPr>
+        <a:xfrm>
+          <a:off x="0" y="0"/>
+          <a:ext cx="0" cy="0"/>
+          <a:chOff x="0" y="0"/>
+          <a:chExt cx="0" cy="0"/>
+        </a:xfrm>
+      </p:grpSpPr>
+      <p:sp>
+        <p:nvSpPr>
+          <p:cNvPr id="2" name="Заголовок 1">
+            <a:extLst>
+              <a:ext uri="{FF2B5EF4-FFF2-40B4-BE49-F238E27FC236}">
+                <a16:creationId xmlns:a16="http://schemas.microsoft.com/office/drawing/2014/main" id="{0E248FBB-D4EC-D652-4ED7-98591350955A}"/>
+              </a:ext>
+            </a:extLst>
+          </p:cNvPr>
+          <p:cNvSpPr>
+            <a:spLocks noGrp="1"/>
+          </p:cNvSpPr>
+          <p:nvPr>
+            <p:ph type="title"/>
+          </p:nvPr>
+        </p:nvSpPr>
+        <p:spPr/>
+        <p:txBody>
+          <a:bodyPr/>
+          <a:lstStyle/>
+          <a:p>
+            <a:r>
+              <a:rPr lang="ru-RU" dirty="0"/>
+              <a:t>КАТАЛОГ ТОВАРОВ</a:t>
+            </a:r>
+          </a:p>
+        </p:txBody>
+      </p:sp>
+      <p:pic>
+        <p:nvPicPr>
+          <p:cNvPr id="5" name="Рисунок 4">
+            <a:extLst>
+              <a:ext uri="{FF2B5EF4-FFF2-40B4-BE49-F238E27FC236}">
+                <a16:creationId xmlns:a16="http://schemas.microsoft.com/office/drawing/2014/main" id="{E1DE739E-01DB-650D-1DBA-3F3B19887B79}"/>
+              </a:ext>
+            </a:extLst>
+          </p:cNvPr>
+          <p:cNvPicPr>
+            <a:picLocks noChangeAspect="1"/>
+          </p:cNvPicPr>
+          <p:nvPr/>
+        </p:nvPicPr>
+        <p:blipFill>
+          <a:blip r:embed="rId2"/>
+          <a:stretch>
+            <a:fillRect/>
+          </a:stretch>
+        </p:blipFill>
+        <p:spPr>
+          <a:xfrm>
+            <a:off x="1125416" y="1876551"/>
+            <a:ext cx="9686322" cy="4878476"/>
+          </a:xfrm>
+          <a:prstGeom prst="rect">
+            <a:avLst/>
+          </a:prstGeom>
+        </p:spPr>
+      </p:pic>
+    </p:spTree>
+    <p:extLst>
+      <p:ext uri="{BB962C8B-B14F-4D97-AF65-F5344CB8AC3E}">
+        <p14:creationId xmlns:p14="http://schemas.microsoft.com/office/powerpoint/2010/main" val="1016960164"/>
+      </p:ext>
+    </p:extLst>
+  </p:cSld>
+  <p:clrMapOvr>
+    <a:masterClrMapping/>
+  </p:clrMapOvr>
+</p:sld>
+</file>
+
+<file path=ppt/slides/slide8.xml><?xml version="1.0" encoding="utf-8"?>
+<p:sld xmlns:a="http://schemas.openxmlformats.org/drawingml/2006/main" xmlns:r="http://schemas.openxmlformats.org/officeDocument/2006/relationships" xmlns:p="http://schemas.openxmlformats.org/presentationml/2006/main">
+  <p:cSld>
+    <p:spTree>
+      <p:nvGrpSpPr>
+        <p:cNvPr id="1" name=""/>
+        <p:cNvGrpSpPr/>
+        <p:nvPr/>
+      </p:nvGrpSpPr>
+      <p:grpSpPr>
+        <a:xfrm>
+          <a:off x="0" y="0"/>
+          <a:ext cx="0" cy="0"/>
+          <a:chOff x="0" y="0"/>
+          <a:chExt cx="0" cy="0"/>
+        </a:xfrm>
+      </p:grpSpPr>
+      <p:sp>
+        <p:nvSpPr>
+          <p:cNvPr id="2" name="Заголовок 1">
+            <a:extLst>
+              <a:ext uri="{FF2B5EF4-FFF2-40B4-BE49-F238E27FC236}">
+                <a16:creationId xmlns:a16="http://schemas.microsoft.com/office/drawing/2014/main" id="{75E51DAB-1A29-A8B7-8F35-A5D552CBE949}"/>
+              </a:ext>
+            </a:extLst>
+          </p:cNvPr>
+          <p:cNvSpPr>
+            <a:spLocks noGrp="1"/>
+          </p:cNvSpPr>
+          <p:nvPr>
+            <p:ph type="title"/>
+          </p:nvPr>
+        </p:nvSpPr>
+        <p:spPr/>
+        <p:txBody>
+          <a:bodyPr/>
+          <a:lstStyle/>
+          <a:p>
+            <a:r>
+              <a:rPr lang="ru-RU" dirty="0"/>
+              <a:t>Использование </a:t>
+            </a:r>
+            <a:r>
+              <a:rPr lang="en-US" dirty="0"/>
+              <a:t>API</a:t>
+            </a:r>
+            <a:endParaRPr lang="ru-RU" dirty="0"/>
+          </a:p>
+        </p:txBody>
+      </p:sp>
+      <p:pic>
+        <p:nvPicPr>
+          <p:cNvPr id="5" name="Объект 4">
+            <a:extLst>
+              <a:ext uri="{FF2B5EF4-FFF2-40B4-BE49-F238E27FC236}">
+                <a16:creationId xmlns:a16="http://schemas.microsoft.com/office/drawing/2014/main" id="{B9880EE9-F441-948C-789B-6CE65DB3A9A0}"/>
+              </a:ext>
+            </a:extLst>
+          </p:cNvPr>
+          <p:cNvPicPr>
+            <a:picLocks noGrp="1" noChangeAspect="1"/>
+          </p:cNvPicPr>
+          <p:nvPr>
+            <p:ph idx="1"/>
+          </p:nvPr>
+        </p:nvPicPr>
+        <p:blipFill>
+          <a:blip r:embed="rId2"/>
+          <a:stretch>
+            <a:fillRect/>
+          </a:stretch>
+        </p:blipFill>
+        <p:spPr>
+          <a:xfrm>
+            <a:off x="3778414" y="1939172"/>
+            <a:ext cx="3712533" cy="3678238"/>
+          </a:xfrm>
+        </p:spPr>
+      </p:pic>
+      <p:sp>
+        <p:nvSpPr>
+          <p:cNvPr id="6" name="TextBox 5">
+            <a:extLst>
+              <a:ext uri="{FF2B5EF4-FFF2-40B4-BE49-F238E27FC236}">
+                <a16:creationId xmlns:a16="http://schemas.microsoft.com/office/drawing/2014/main" id="{C49DE026-1812-9A27-B0B8-657A11B164E4}"/>
+              </a:ext>
+            </a:extLst>
+          </p:cNvPr>
+          <p:cNvSpPr txBox="1"/>
+          <p:nvPr/>
+        </p:nvSpPr>
+        <p:spPr>
+          <a:xfrm>
+            <a:off x="3492842" y="5840626"/>
+            <a:ext cx="4283676" cy="369332"/>
+          </a:xfrm>
+          <a:prstGeom prst="rect">
+            <a:avLst/>
+          </a:prstGeom>
+          <a:noFill/>
+        </p:spPr>
+        <p:txBody>
+          <a:bodyPr wrap="square" rtlCol="0">
+            <a:spAutoFit/>
+          </a:bodyPr>
+          <a:lstStyle/>
+          <a:p>
+            <a:pPr algn="ctr"/>
+            <a:r>
+              <a:rPr lang="ru-RU" dirty="0">
+                <a:latin typeface="Bahnschrift" panose="020B0502040204020203" pitchFamily="34" charset="0"/>
+              </a:rPr>
+              <a:t>Фрагмент кода</a:t>
+            </a:r>
+            <a:r>
+              <a:rPr lang="en-US" dirty="0">
+                <a:latin typeface="Bahnschrift" panose="020B0502040204020203" pitchFamily="34" charset="0"/>
+              </a:rPr>
+              <a:t> </a:t>
+            </a:r>
+            <a:r>
+              <a:rPr lang="en-US" dirty="0" err="1">
+                <a:latin typeface="Bahnschrift" panose="020B0502040204020203" pitchFamily="34" charset="0"/>
+              </a:rPr>
+              <a:t>Api</a:t>
+            </a:r>
+            <a:r>
+              <a:rPr lang="en-US" dirty="0">
+                <a:latin typeface="Bahnschrift" panose="020B0502040204020203" pitchFamily="34" charset="0"/>
+              </a:rPr>
+              <a:t> RESTful</a:t>
+            </a:r>
+            <a:r>
+              <a:rPr lang="ru-RU" dirty="0">
+                <a:latin typeface="Bahnschrift" panose="020B0502040204020203" pitchFamily="34" charset="0"/>
+              </a:rPr>
+              <a:t> </a:t>
+            </a:r>
+          </a:p>
+        </p:txBody>
+      </p:sp>
+    </p:spTree>
+    <p:extLst>
+      <p:ext uri="{BB962C8B-B14F-4D97-AF65-F5344CB8AC3E}">
+        <p14:creationId xmlns:p14="http://schemas.microsoft.com/office/powerpoint/2010/main" val="3604649487"/>
+      </p:ext>
+    </p:extLst>
+  </p:cSld>
+  <p:clrMapOvr>
+    <a:masterClrMapping/>
+  </p:clrMapOvr>
+</p:sld>
+</file>
+
+<file path=ppt/slides/slide9.xml><?xml version="1.0" encoding="utf-8"?>
+<p:sld xmlns:a="http://schemas.openxmlformats.org/drawingml/2006/main" xmlns:r="http://schemas.openxmlformats.org/officeDocument/2006/relationships" xmlns:p="http://schemas.openxmlformats.org/presentationml/2006/main">
+  <p:cSld>
+    <p:spTree>
+      <p:nvGrpSpPr>
+        <p:cNvPr id="1" name=""/>
+        <p:cNvGrpSpPr/>
+        <p:nvPr/>
+      </p:nvGrpSpPr>
+      <p:grpSpPr>
+        <a:xfrm>
+          <a:off x="0" y="0"/>
+          <a:ext cx="0" cy="0"/>
+          <a:chOff x="0" y="0"/>
+          <a:chExt cx="0" cy="0"/>
+        </a:xfrm>
+      </p:grpSpPr>
+      <p:sp>
+        <p:nvSpPr>
+          <p:cNvPr id="2" name="Заголовок 1">
+            <a:extLst>
+              <a:ext uri="{FF2B5EF4-FFF2-40B4-BE49-F238E27FC236}">
+                <a16:creationId xmlns:a16="http://schemas.microsoft.com/office/drawing/2014/main" id="{D7BE26DE-FC8D-2088-FC3F-245B2ADBCFC4}"/>
+              </a:ext>
+            </a:extLst>
+          </p:cNvPr>
+          <p:cNvSpPr>
+            <a:spLocks noGrp="1"/>
+          </p:cNvSpPr>
+          <p:nvPr>
+            <p:ph type="title"/>
+          </p:nvPr>
+        </p:nvSpPr>
+        <p:spPr/>
+        <p:txBody>
+          <a:bodyPr/>
+          <a:lstStyle/>
+          <a:p>
+            <a:r>
+              <a:rPr lang="en-US" dirty="0"/>
+              <a:t>QR-</a:t>
+            </a:r>
+            <a:r>
+              <a:rPr lang="ru-RU" dirty="0"/>
+              <a:t>КОД сайта</a:t>
+            </a:r>
+          </a:p>
+        </p:txBody>
+      </p:sp>
+      <p:pic>
+        <p:nvPicPr>
+          <p:cNvPr id="5" name="Рисунок 4">
+            <a:extLst>
+              <a:ext uri="{FF2B5EF4-FFF2-40B4-BE49-F238E27FC236}">
+                <a16:creationId xmlns:a16="http://schemas.microsoft.com/office/drawing/2014/main" id="{4D2A8C56-2252-B69E-BEB5-860E6D4E9C02}"/>
+              </a:ext>
+            </a:extLst>
+          </p:cNvPr>
+          <p:cNvPicPr>
+            <a:picLocks noChangeAspect="1"/>
+          </p:cNvPicPr>
+          <p:nvPr/>
+        </p:nvPicPr>
+        <p:blipFill>
+          <a:blip r:embed="rId2"/>
+          <a:stretch>
+            <a:fillRect/>
+          </a:stretch>
+        </p:blipFill>
+        <p:spPr>
+          <a:xfrm>
+            <a:off x="3749974" y="1907155"/>
+            <a:ext cx="4692052" cy="4692052"/>
+          </a:xfrm>
+          <a:prstGeom prst="rect">
+            <a:avLst/>
+          </a:prstGeom>
+        </p:spPr>
+      </p:pic>
+    </p:spTree>
+    <p:extLst>
+      <p:ext uri="{BB962C8B-B14F-4D97-AF65-F5344CB8AC3E}">
+        <p14:creationId xmlns:p14="http://schemas.microsoft.com/office/powerpoint/2010/main" val="3478456829"/>
       </p:ext>
     </p:extLst>
   </p:cSld>
@@ -7334,20 +7427,20 @@
 </file>
 
 <file path=customXml/item1.xml><?xml version="1.0" encoding="utf-8"?>
+<p:properties xmlns:p="http://schemas.microsoft.com/office/2006/metadata/properties" xmlns:xsi="http://www.w3.org/2001/XMLSchema-instance" xmlns:pc="http://schemas.microsoft.com/office/infopath/2007/PartnerControls">
+  <documentManagement>
+    <MediaServiceKeyPoints xmlns="71af3243-3dd4-4a8d-8c0d-dd76da1f02a5" xsi:nil="true"/>
+  </documentManagement>
+</p:properties>
+</file>
+
+<file path=customXml/item2.xml><?xml version="1.0" encoding="utf-8"?>
 <?mso-contentType ?>
 <FormTemplates xmlns="http://schemas.microsoft.com/sharepoint/v3/contenttype/forms">
   <Display>DocumentLibraryForm</Display>
   <Edit>DocumentLibraryForm</Edit>
   <New>DocumentLibraryForm</New>
 </FormTemplates>
-</file>
-
-<file path=customXml/item2.xml><?xml version="1.0" encoding="utf-8"?>
-<p:properties xmlns:p="http://schemas.microsoft.com/office/2006/metadata/properties" xmlns:xsi="http://www.w3.org/2001/XMLSchema-instance" xmlns:pc="http://schemas.microsoft.com/office/infopath/2007/PartnerControls">
-  <documentManagement>
-    <MediaServiceKeyPoints xmlns="71af3243-3dd4-4a8d-8c0d-dd76da1f02a5" xsi:nil="true"/>
-  </documentManagement>
-</p:properties>
 </file>
 
 <file path=customXml/item3.xml><?xml version="1.0" encoding="utf-8"?>
@@ -7562,19 +7655,19 @@
 </file>
 
 <file path=customXml/itemProps1.xml><?xml version="1.0" encoding="utf-8"?>
-<ds:datastoreItem xmlns:ds="http://schemas.openxmlformats.org/officeDocument/2006/customXml" ds:itemID="{BA0CF3B2-1F0F-4FC5-8002-3E4869ABAD55}">
+<ds:datastoreItem xmlns:ds="http://schemas.openxmlformats.org/officeDocument/2006/customXml" ds:itemID="{1EBC12AA-1C15-4500-BC9C-8EE83A441DE9}">
   <ds:schemaRefs>
-    <ds:schemaRef ds:uri="http://schemas.microsoft.com/sharepoint/v3/contenttype/forms"/>
+    <ds:schemaRef ds:uri="http://schemas.microsoft.com/office/2006/metadata/properties"/>
+    <ds:schemaRef ds:uri="http://schemas.microsoft.com/office/infopath/2007/PartnerControls"/>
+    <ds:schemaRef ds:uri="71af3243-3dd4-4a8d-8c0d-dd76da1f02a5"/>
   </ds:schemaRefs>
 </ds:datastoreItem>
 </file>
 
 <file path=customXml/itemProps2.xml><?xml version="1.0" encoding="utf-8"?>
-<ds:datastoreItem xmlns:ds="http://schemas.openxmlformats.org/officeDocument/2006/customXml" ds:itemID="{1EBC12AA-1C15-4500-BC9C-8EE83A441DE9}">
+<ds:datastoreItem xmlns:ds="http://schemas.openxmlformats.org/officeDocument/2006/customXml" ds:itemID="{BA0CF3B2-1F0F-4FC5-8002-3E4869ABAD55}">
   <ds:schemaRefs>
-    <ds:schemaRef ds:uri="http://schemas.microsoft.com/office/2006/metadata/properties"/>
-    <ds:schemaRef ds:uri="http://schemas.microsoft.com/office/infopath/2007/PartnerControls"/>
-    <ds:schemaRef ds:uri="71af3243-3dd4-4a8d-8c0d-dd76da1f02a5"/>
+    <ds:schemaRef ds:uri="http://schemas.microsoft.com/sharepoint/v3/contenttype/forms"/>
   </ds:schemaRefs>
 </ds:datastoreItem>
 </file>
